--- a/quiz-notes.pptx
+++ b/quiz-notes.pptx
@@ -466,13 +466,13 @@
   </pc:docChgLst>
   <pc:docChgLst>
     <pc:chgData name="Laura Hooper" userId="c7592c86-89d2-4053-bb21-f4f4479d71c8" providerId="ADAL" clId="{907EAB64-4F8D-4B97-9073-D5787E1B7B7B}"/>
-    <pc:docChg chg="modSld">
-      <pc:chgData name="Laura Hooper" userId="c7592c86-89d2-4053-bb21-f4f4479d71c8" providerId="ADAL" clId="{907EAB64-4F8D-4B97-9073-D5787E1B7B7B}" dt="2024-11-29T17:52:59.678" v="9" actId="13926"/>
+    <pc:docChg chg="undo custSel modSld">
+      <pc:chgData name="Laura Hooper" userId="c7592c86-89d2-4053-bb21-f4f4479d71c8" providerId="ADAL" clId="{907EAB64-4F8D-4B97-9073-D5787E1B7B7B}" dt="2024-12-05T12:09:39.147" v="30" actId="13926"/>
       <pc:docMkLst>
         <pc:docMk/>
       </pc:docMkLst>
       <pc:sldChg chg="modSp mod">
-        <pc:chgData name="Laura Hooper" userId="c7592c86-89d2-4053-bb21-f4f4479d71c8" providerId="ADAL" clId="{907EAB64-4F8D-4B97-9073-D5787E1B7B7B}" dt="2024-11-29T17:52:59.678" v="9" actId="13926"/>
+        <pc:chgData name="Laura Hooper" userId="c7592c86-89d2-4053-bb21-f4f4479d71c8" providerId="ADAL" clId="{907EAB64-4F8D-4B97-9073-D5787E1B7B7B}" dt="2024-12-05T12:09:39.147" v="30" actId="13926"/>
         <pc:sldMkLst>
           <pc:docMk/>
           <pc:sldMk cId="4137346853" sldId="256"/>
@@ -494,7 +494,7 @@
           </ac:spMkLst>
         </pc:spChg>
         <pc:spChg chg="mod">
-          <ac:chgData name="Laura Hooper" userId="c7592c86-89d2-4053-bb21-f4f4479d71c8" providerId="ADAL" clId="{907EAB64-4F8D-4B97-9073-D5787E1B7B7B}" dt="2024-11-29T16:18:49.303" v="0" actId="400"/>
+          <ac:chgData name="Laura Hooper" userId="c7592c86-89d2-4053-bb21-f4f4479d71c8" providerId="ADAL" clId="{907EAB64-4F8D-4B97-9073-D5787E1B7B7B}" dt="2024-12-04T17:06:03.087" v="20" actId="13926"/>
           <ac:spMkLst>
             <pc:docMk/>
             <pc:sldMk cId="4137346853" sldId="256"/>
@@ -507,6 +507,84 @@
             <pc:docMk/>
             <pc:sldMk cId="4137346853" sldId="256"/>
             <ac:spMk id="7" creationId="{37C52ED5-E2FC-EE9A-EEA2-43EB7B94EF10}"/>
+          </ac:spMkLst>
+        </pc:spChg>
+        <pc:spChg chg="mod">
+          <ac:chgData name="Laura Hooper" userId="c7592c86-89d2-4053-bb21-f4f4479d71c8" providerId="ADAL" clId="{907EAB64-4F8D-4B97-9073-D5787E1B7B7B}" dt="2024-12-04T12:05:16.072" v="11" actId="13926"/>
+          <ac:spMkLst>
+            <pc:docMk/>
+            <pc:sldMk cId="4137346853" sldId="256"/>
+            <ac:spMk id="8" creationId="{ED333640-4ACF-1508-2471-22BA574AED11}"/>
+          </ac:spMkLst>
+        </pc:spChg>
+        <pc:spChg chg="mod">
+          <ac:chgData name="Laura Hooper" userId="c7592c86-89d2-4053-bb21-f4f4479d71c8" providerId="ADAL" clId="{907EAB64-4F8D-4B97-9073-D5787E1B7B7B}" dt="2024-12-04T17:16:54.748" v="25" actId="13926"/>
+          <ac:spMkLst>
+            <pc:docMk/>
+            <pc:sldMk cId="4137346853" sldId="256"/>
+            <ac:spMk id="10" creationId="{A78D12FA-CE61-7906-1E6B-0F638404093B}"/>
+          </ac:spMkLst>
+        </pc:spChg>
+        <pc:spChg chg="mod">
+          <ac:chgData name="Laura Hooper" userId="c7592c86-89d2-4053-bb21-f4f4479d71c8" providerId="ADAL" clId="{907EAB64-4F8D-4B97-9073-D5787E1B7B7B}" dt="2024-12-05T12:09:39.147" v="30" actId="13926"/>
+          <ac:spMkLst>
+            <pc:docMk/>
+            <pc:sldMk cId="4137346853" sldId="256"/>
+            <ac:spMk id="12" creationId="{2F4B06EC-48C5-75EF-94B1-DA770D3FD935}"/>
+          </ac:spMkLst>
+        </pc:spChg>
+        <pc:spChg chg="mod">
+          <ac:chgData name="Laura Hooper" userId="c7592c86-89d2-4053-bb21-f4f4479d71c8" providerId="ADAL" clId="{907EAB64-4F8D-4B97-9073-D5787E1B7B7B}" dt="2024-12-04T17:10:58.694" v="22" actId="13926"/>
+          <ac:spMkLst>
+            <pc:docMk/>
+            <pc:sldMk cId="4137346853" sldId="256"/>
+            <ac:spMk id="13" creationId="{6290D0C9-7497-9E44-2ECD-C7467DC1B39D}"/>
+          </ac:spMkLst>
+        </pc:spChg>
+      </pc:sldChg>
+      <pc:sldChg chg="modSp mod">
+        <pc:chgData name="Laura Hooper" userId="c7592c86-89d2-4053-bb21-f4f4479d71c8" providerId="ADAL" clId="{907EAB64-4F8D-4B97-9073-D5787E1B7B7B}" dt="2024-12-04T17:16:49.697" v="24" actId="13926"/>
+        <pc:sldMkLst>
+          <pc:docMk/>
+          <pc:sldMk cId="286879357" sldId="257"/>
+        </pc:sldMkLst>
+        <pc:spChg chg="mod">
+          <ac:chgData name="Laura Hooper" userId="c7592c86-89d2-4053-bb21-f4f4479d71c8" providerId="ADAL" clId="{907EAB64-4F8D-4B97-9073-D5787E1B7B7B}" dt="2024-12-04T14:25:13.019" v="18" actId="13926"/>
+          <ac:spMkLst>
+            <pc:docMk/>
+            <pc:sldMk cId="286879357" sldId="257"/>
+            <ac:spMk id="15" creationId="{92C35AE9-8B13-8F8F-B483-A38CAB517701}"/>
+          </ac:spMkLst>
+        </pc:spChg>
+        <pc:spChg chg="mod">
+          <ac:chgData name="Laura Hooper" userId="c7592c86-89d2-4053-bb21-f4f4479d71c8" providerId="ADAL" clId="{907EAB64-4F8D-4B97-9073-D5787E1B7B7B}" dt="2024-12-04T17:16:49.697" v="24" actId="13926"/>
+          <ac:spMkLst>
+            <pc:docMk/>
+            <pc:sldMk cId="286879357" sldId="257"/>
+            <ac:spMk id="17" creationId="{692BFF8A-4143-FC97-8C2A-9A1333E3BC0A}"/>
+          </ac:spMkLst>
+        </pc:spChg>
+        <pc:spChg chg="mod">
+          <ac:chgData name="Laura Hooper" userId="c7592c86-89d2-4053-bb21-f4f4479d71c8" providerId="ADAL" clId="{907EAB64-4F8D-4B97-9073-D5787E1B7B7B}" dt="2024-12-04T12:50:43.671" v="17" actId="13926"/>
+          <ac:spMkLst>
+            <pc:docMk/>
+            <pc:sldMk cId="286879357" sldId="257"/>
+            <ac:spMk id="27" creationId="{B7A190A0-C590-9CB1-104E-4207B1C32512}"/>
+          </ac:spMkLst>
+        </pc:spChg>
+      </pc:sldChg>
+      <pc:sldChg chg="modSp mod">
+        <pc:chgData name="Laura Hooper" userId="c7592c86-89d2-4053-bb21-f4f4479d71c8" providerId="ADAL" clId="{907EAB64-4F8D-4B97-9073-D5787E1B7B7B}" dt="2024-12-04T12:46:35.379" v="16" actId="13926"/>
+        <pc:sldMkLst>
+          <pc:docMk/>
+          <pc:sldMk cId="2269771561" sldId="259"/>
+        </pc:sldMkLst>
+        <pc:spChg chg="mod">
+          <ac:chgData name="Laura Hooper" userId="c7592c86-89d2-4053-bb21-f4f4479d71c8" providerId="ADAL" clId="{907EAB64-4F8D-4B97-9073-D5787E1B7B7B}" dt="2024-12-04T12:46:35.379" v="16" actId="13926"/>
+          <ac:spMkLst>
+            <pc:docMk/>
+            <pc:sldMk cId="2269771561" sldId="259"/>
+            <ac:spMk id="2" creationId="{DF3012C2-1232-C59F-B8D4-D6CDDCC8FC57}"/>
           </ac:spMkLst>
         </pc:spChg>
       </pc:sldChg>
@@ -597,7 +675,7 @@
           <a:p>
             <a:fld id="{8105D860-E7E8-4808-9285-49B478FC2606}" type="datetimeFigureOut">
               <a:rPr lang="en-GB" smtClean="0"/>
-              <a:t>29/11/2024</a:t>
+              <a:t>05/12/2024</a:t>
             </a:fld>
             <a:endParaRPr lang="en-GB"/>
           </a:p>
@@ -1098,7 +1176,7 @@
           <a:p>
             <a:fld id="{7143AE19-345B-4C23-B859-7C90B113BBF6}" type="datetimeFigureOut">
               <a:rPr lang="en-GB" smtClean="0"/>
-              <a:t>29/11/2024</a:t>
+              <a:t>05/12/2024</a:t>
             </a:fld>
             <a:endParaRPr lang="en-GB"/>
           </a:p>
@@ -1298,7 +1376,7 @@
           <a:p>
             <a:fld id="{7143AE19-345B-4C23-B859-7C90B113BBF6}" type="datetimeFigureOut">
               <a:rPr lang="en-GB" smtClean="0"/>
-              <a:t>29/11/2024</a:t>
+              <a:t>05/12/2024</a:t>
             </a:fld>
             <a:endParaRPr lang="en-GB"/>
           </a:p>
@@ -1508,7 +1586,7 @@
           <a:p>
             <a:fld id="{7143AE19-345B-4C23-B859-7C90B113BBF6}" type="datetimeFigureOut">
               <a:rPr lang="en-GB" smtClean="0"/>
-              <a:t>29/11/2024</a:t>
+              <a:t>05/12/2024</a:t>
             </a:fld>
             <a:endParaRPr lang="en-GB"/>
           </a:p>
@@ -1708,7 +1786,7 @@
           <a:p>
             <a:fld id="{7143AE19-345B-4C23-B859-7C90B113BBF6}" type="datetimeFigureOut">
               <a:rPr lang="en-GB" smtClean="0"/>
-              <a:t>29/11/2024</a:t>
+              <a:t>05/12/2024</a:t>
             </a:fld>
             <a:endParaRPr lang="en-GB"/>
           </a:p>
@@ -1984,7 +2062,7 @@
           <a:p>
             <a:fld id="{7143AE19-345B-4C23-B859-7C90B113BBF6}" type="datetimeFigureOut">
               <a:rPr lang="en-GB" smtClean="0"/>
-              <a:t>29/11/2024</a:t>
+              <a:t>05/12/2024</a:t>
             </a:fld>
             <a:endParaRPr lang="en-GB"/>
           </a:p>
@@ -2252,7 +2330,7 @@
           <a:p>
             <a:fld id="{7143AE19-345B-4C23-B859-7C90B113BBF6}" type="datetimeFigureOut">
               <a:rPr lang="en-GB" smtClean="0"/>
-              <a:t>29/11/2024</a:t>
+              <a:t>05/12/2024</a:t>
             </a:fld>
             <a:endParaRPr lang="en-GB"/>
           </a:p>
@@ -2667,7 +2745,7 @@
           <a:p>
             <a:fld id="{7143AE19-345B-4C23-B859-7C90B113BBF6}" type="datetimeFigureOut">
               <a:rPr lang="en-GB" smtClean="0"/>
-              <a:t>29/11/2024</a:t>
+              <a:t>05/12/2024</a:t>
             </a:fld>
             <a:endParaRPr lang="en-GB"/>
           </a:p>
@@ -2809,7 +2887,7 @@
           <a:p>
             <a:fld id="{7143AE19-345B-4C23-B859-7C90B113BBF6}" type="datetimeFigureOut">
               <a:rPr lang="en-GB" smtClean="0"/>
-              <a:t>29/11/2024</a:t>
+              <a:t>05/12/2024</a:t>
             </a:fld>
             <a:endParaRPr lang="en-GB"/>
           </a:p>
@@ -2922,7 +3000,7 @@
           <a:p>
             <a:fld id="{7143AE19-345B-4C23-B859-7C90B113BBF6}" type="datetimeFigureOut">
               <a:rPr lang="en-GB" smtClean="0"/>
-              <a:t>29/11/2024</a:t>
+              <a:t>05/12/2024</a:t>
             </a:fld>
             <a:endParaRPr lang="en-GB"/>
           </a:p>
@@ -3235,7 +3313,7 @@
           <a:p>
             <a:fld id="{7143AE19-345B-4C23-B859-7C90B113BBF6}" type="datetimeFigureOut">
               <a:rPr lang="en-GB" smtClean="0"/>
-              <a:t>29/11/2024</a:t>
+              <a:t>05/12/2024</a:t>
             </a:fld>
             <a:endParaRPr lang="en-GB"/>
           </a:p>
@@ -3524,7 +3602,7 @@
           <a:p>
             <a:fld id="{7143AE19-345B-4C23-B859-7C90B113BBF6}" type="datetimeFigureOut">
               <a:rPr lang="en-GB" smtClean="0"/>
-              <a:t>29/11/2024</a:t>
+              <a:t>05/12/2024</a:t>
             </a:fld>
             <a:endParaRPr lang="en-GB"/>
           </a:p>
@@ -3767,7 +3845,7 @@
           <a:p>
             <a:fld id="{7143AE19-345B-4C23-B859-7C90B113BBF6}" type="datetimeFigureOut">
               <a:rPr lang="en-GB" smtClean="0"/>
-              <a:t>29/11/2024</a:t>
+              <a:t>05/12/2024</a:t>
             </a:fld>
             <a:endParaRPr lang="en-GB"/>
           </a:p>
@@ -5055,11 +5133,35 @@
             <a:r>
               <a:rPr lang="en-GB" sz="1000" dirty="0">
                 <a:effectLst/>
+                <a:highlight>
+                  <a:srgbClr val="FFFF00"/>
+                </a:highlight>
                 <a:latin typeface="Aptos" panose="020B0004020202020204" pitchFamily="34" charset="0"/>
                 <a:ea typeface="Times New Roman" panose="02020603050405020304" pitchFamily="18" charset="0"/>
                 <a:cs typeface="Aptos" panose="020B0004020202020204" pitchFamily="34" charset="0"/>
               </a:rPr>
-              <a:t>north pole warner than south - by about 10 degrees C in summer and 2 C in winter</a:t>
+              <a:t>north pole warner than south </a:t>
+            </a:r>
+            <a:r>
+              <a:rPr lang="en-GB" sz="1000" dirty="0">
+                <a:effectLst/>
+                <a:latin typeface="Aptos" panose="020B0004020202020204" pitchFamily="34" charset="0"/>
+                <a:ea typeface="Times New Roman" panose="02020603050405020304" pitchFamily="18" charset="0"/>
+                <a:cs typeface="Aptos" panose="020B0004020202020204" pitchFamily="34" charset="0"/>
+              </a:rPr>
+              <a:t>- </a:t>
+            </a:r>
+            <a:r>
+              <a:rPr lang="en-GB" sz="1000" dirty="0">
+                <a:effectLst/>
+                <a:highlight>
+                  <a:srgbClr val="FFFF00"/>
+                </a:highlight>
+                <a:latin typeface="Aptos" panose="020B0004020202020204" pitchFamily="34" charset="0"/>
+                <a:ea typeface="Times New Roman" panose="02020603050405020304" pitchFamily="18" charset="0"/>
+                <a:cs typeface="Aptos" panose="020B0004020202020204" pitchFamily="34" charset="0"/>
+              </a:rPr>
+              <a:t>by about 10 degrees C in summer and 2 C in winter</a:t>
             </a:r>
           </a:p>
           <a:p>
@@ -5558,6 +5660,9 @@
             <a:r>
               <a:rPr lang="en-GB" sz="1000" dirty="0" err="1">
                 <a:effectLst/>
+                <a:highlight>
+                  <a:srgbClr val="FFFF00"/>
+                </a:highlight>
                 <a:latin typeface="Aptos" panose="020B0004020202020204" pitchFamily="34" charset="0"/>
                 <a:ea typeface="Times New Roman" panose="02020603050405020304" pitchFamily="18" charset="0"/>
                 <a:cs typeface="Aptos" panose="020B0004020202020204" pitchFamily="34" charset="0"/>
@@ -5567,6 +5672,9 @@
             <a:r>
               <a:rPr lang="en-GB" sz="1000" dirty="0">
                 <a:effectLst/>
+                <a:highlight>
+                  <a:srgbClr val="FFFF00"/>
+                </a:highlight>
                 <a:latin typeface="Aptos" panose="020B0004020202020204" pitchFamily="34" charset="0"/>
                 <a:ea typeface="Times New Roman" panose="02020603050405020304" pitchFamily="18" charset="0"/>
                 <a:cs typeface="Aptos" panose="020B0004020202020204" pitchFamily="34" charset="0"/>
@@ -5595,6 +5703,9 @@
           <a:p>
             <a:r>
               <a:rPr lang="en-GB" sz="1000" dirty="0">
+                <a:highlight>
+                  <a:srgbClr val="FFFF00"/>
+                </a:highlight>
                 <a:latin typeface="Aptos" panose="020B0004020202020204" pitchFamily="34" charset="0"/>
               </a:rPr>
               <a:t>1965 - first song played in outer space - written in 1857 - jingle bells</a:t>
@@ -5731,6 +5842,9 @@
             <a:r>
               <a:rPr lang="en-GB" sz="1000" dirty="0">
                 <a:effectLst/>
+                <a:highlight>
+                  <a:srgbClr val="FFFF00"/>
+                </a:highlight>
                 <a:latin typeface="Aptos" panose="020B0004020202020204" pitchFamily="34" charset="0"/>
                 <a:ea typeface="Times New Roman" panose="02020603050405020304" pitchFamily="18" charset="0"/>
                 <a:cs typeface="Aptos" panose="020B0004020202020204" pitchFamily="34" charset="0"/>
@@ -5743,12 +5857,18 @@
                   <a:srgbClr val="56575C"/>
                 </a:solidFill>
                 <a:effectLst/>
+                <a:highlight>
+                  <a:srgbClr val="FFFF00"/>
+                </a:highlight>
                 <a:latin typeface="Gilroy" panose="00000500000000000000" pitchFamily="50" charset="0"/>
               </a:rPr>
               <a:t>Featuring a family drinking wine, one sold for £8,469 in 2014.</a:t>
             </a:r>
             <a:endParaRPr lang="en-GB" sz="1000" dirty="0">
               <a:effectLst/>
+              <a:highlight>
+                <a:srgbClr val="FFFF00"/>
+              </a:highlight>
               <a:latin typeface="Aptos" panose="020B0004020202020204" pitchFamily="34" charset="0"/>
               <a:ea typeface="Times New Roman" panose="02020603050405020304" pitchFamily="18" charset="0"/>
               <a:cs typeface="Aptos" panose="020B0004020202020204" pitchFamily="34" charset="0"/>
@@ -5925,7 +6045,11 @@
           </a:p>
           <a:p>
             <a:r>
-              <a:rPr lang="en-GB" sz="1000" dirty="0"/>
+              <a:rPr lang="en-GB" sz="1000" dirty="0">
+                <a:highlight>
+                  <a:srgbClr val="FFFF00"/>
+                </a:highlight>
+              </a:rPr>
               <a:t>crackers - Tom Smith - sold bon bons</a:t>
             </a:r>
           </a:p>
@@ -6029,13 +6153,21 @@
           </a:p>
           <a:p>
             <a:r>
-              <a:rPr lang="en-GB" sz="1000" dirty="0"/>
+              <a:rPr lang="en-GB" sz="1000" dirty="0">
+                <a:highlight>
+                  <a:srgbClr val="FFFF00"/>
+                </a:highlight>
+              </a:rPr>
               <a:t>largest sprout - 8.3kg - 1992 - Wales</a:t>
             </a:r>
           </a:p>
           <a:p>
             <a:r>
-              <a:rPr lang="en-GB" sz="1000" dirty="0"/>
+              <a:rPr lang="en-GB" sz="1000" dirty="0">
+                <a:highlight>
+                  <a:srgbClr val="FFFF00"/>
+                </a:highlight>
+              </a:rPr>
               <a:t>parsnip - 2011 - 7.88kg - UK</a:t>
             </a:r>
           </a:p>
@@ -6047,7 +6179,11 @@
           </a:p>
           <a:p>
             <a:r>
-              <a:rPr lang="en-GB" sz="1000" dirty="0"/>
+              <a:rPr lang="en-GB" sz="1000" dirty="0">
+                <a:highlight>
+                  <a:srgbClr val="FFFF00"/>
+                </a:highlight>
+              </a:rPr>
               <a:t>potato - 4.98kg - 2011 UK</a:t>
             </a:r>
           </a:p>
@@ -6069,15 +6205,27 @@
           </a:p>
           <a:p>
             <a:r>
-              <a:rPr lang="en-GB" sz="1000" dirty="0"/>
+              <a:rPr lang="en-GB" sz="1000" dirty="0">
+                <a:highlight>
+                  <a:srgbClr val="FFFF00"/>
+                </a:highlight>
+              </a:rPr>
               <a:t>middle ages, tradition every person ate a mince pie for each of 12 days of </a:t>
             </a:r>
             <a:r>
-              <a:rPr lang="en-GB" sz="1000" dirty="0" err="1"/>
+              <a:rPr lang="en-GB" sz="1000" dirty="0" err="1">
+                <a:highlight>
+                  <a:srgbClr val="FFFF00"/>
+                </a:highlight>
+              </a:rPr>
               <a:t>xmas</a:t>
             </a:r>
             <a:r>
-              <a:rPr lang="en-GB" sz="1000" dirty="0"/>
+              <a:rPr lang="en-GB" sz="1000" dirty="0">
+                <a:highlight>
+                  <a:srgbClr val="FFFF00"/>
+                </a:highlight>
+              </a:rPr>
               <a:t> - good luck for the new year</a:t>
             </a:r>
           </a:p>
@@ -6147,7 +6295,19 @@
                 <a:ea typeface="Times New Roman" panose="02020603050405020304" pitchFamily="18" charset="0"/>
                 <a:cs typeface="Aptos" panose="020B0004020202020204" pitchFamily="34" charset="0"/>
               </a:rPr>
-              <a:t> reindeer: Dasher, Dancer, Prancer, Vixen, Comet, Cupid, Donner, Blitzen, and Rudolph</a:t>
+              <a:t> reindeer: </a:t>
+            </a:r>
+            <a:r>
+              <a:rPr lang="en-GB" sz="1000" dirty="0">
+                <a:effectLst/>
+                <a:highlight>
+                  <a:srgbClr val="FFFF00"/>
+                </a:highlight>
+                <a:latin typeface="Aptos" panose="020B0004020202020204" pitchFamily="34" charset="0"/>
+                <a:ea typeface="Times New Roman" panose="02020603050405020304" pitchFamily="18" charset="0"/>
+                <a:cs typeface="Aptos" panose="020B0004020202020204" pitchFamily="34" charset="0"/>
+              </a:rPr>
+              <a:t>Dasher, Dancer, Prancer, Vixen, Comet, Cupid, Donner, Blitzen, and Rudolph</a:t>
             </a:r>
           </a:p>
           <a:p>
@@ -6214,6 +6374,9 @@
           <a:p>
             <a:r>
               <a:rPr lang="en-GB" sz="1000" dirty="0">
+                <a:highlight>
+                  <a:srgbClr val="FFFF00"/>
+                </a:highlight>
                 <a:latin typeface="Aptos" panose="020B0004020202020204" pitchFamily="34" charset="0"/>
               </a:rPr>
               <a:t>Day 8: Eight maids a-milking</a:t>
@@ -7127,6 +7290,9 @@
                   <a:srgbClr val="56575C"/>
                 </a:solidFill>
                 <a:effectLst/>
+                <a:highlight>
+                  <a:srgbClr val="FFFF00"/>
+                </a:highlight>
                 <a:latin typeface="Gilroy" panose="00000500000000000000" pitchFamily="50" charset="0"/>
               </a:rPr>
               <a:t>Boxing Day gets its name from all the money collected in church alms-boxes for the poor.</a:t>
@@ -7169,6 +7335,9 @@
                   <a:srgbClr val="56575C"/>
                 </a:solidFill>
                 <a:effectLst/>
+                <a:highlight>
+                  <a:srgbClr val="FFFF00"/>
+                </a:highlight>
                 <a:latin typeface="Gilroy" panose="00000500000000000000" pitchFamily="50" charset="0"/>
               </a:rPr>
               <a:t>The Christmas cracker was invented by a London sweet shop owner called Tom Smith. In 1847, after spotting French bonbons wrapped in paper with a twist at each end, he sold similar sweets with a “love motto” inside. He then included a little trinket and a “bang”. His “Bangs of Expectation” included gifts such as jewellery and miniature dolls. By 1900, he was selling 13 million a year.</a:t>
@@ -7432,6 +7601,9 @@
                   <a:srgbClr val="56575C"/>
                 </a:solidFill>
                 <a:effectLst/>
+                <a:highlight>
+                  <a:srgbClr val="FFFF00"/>
+                </a:highlight>
                 <a:latin typeface="Gilroy" panose="00000500000000000000" pitchFamily="50" charset="0"/>
               </a:rPr>
               <a:t>Many parts of the Christmas tree can actually be eaten, with the needles being a good source of Vitamin C.</a:t>
@@ -8080,6 +8252,9 @@
                   <a:srgbClr val="56575C"/>
                 </a:solidFill>
                 <a:effectLst/>
+                <a:highlight>
+                  <a:srgbClr val="FFFF00"/>
+                </a:highlight>
                 <a:latin typeface="Gilroy" panose="00000500000000000000" pitchFamily="50" charset="0"/>
               </a:rPr>
               <a:t>Who earns the most royalties from their Christmas songs? Well, Mariah Carey makes about £375,000 per year from All I Want For Christmas and the </a:t>
@@ -8093,6 +8268,9 @@
                   <a:srgbClr val="56575C"/>
                 </a:solidFill>
                 <a:effectLst/>
+                <a:highlight>
+                  <a:srgbClr val="FFFF00"/>
+                </a:highlight>
                 <a:latin typeface="Gilroy" panose="00000500000000000000" pitchFamily="50" charset="0"/>
               </a:rPr>
               <a:t>Pogues</a:t>
@@ -8106,6 +8284,9 @@
                   <a:srgbClr val="56575C"/>
                 </a:solidFill>
                 <a:effectLst/>
+                <a:highlight>
+                  <a:srgbClr val="FFFF00"/>
+                </a:highlight>
                 <a:latin typeface="Gilroy" panose="00000500000000000000" pitchFamily="50" charset="0"/>
               </a:rPr>
               <a:t> make about £400,000 from Fairytale of New York. But top of the tree are Slade, who are reckoned to earn £500,000 per year from Merry Christmas Everybody,</a:t>
@@ -8137,6 +8318,9 @@
                   <a:srgbClr val="EB3349"/>
                 </a:solidFill>
                 <a:effectLst/>
+                <a:highlight>
+                  <a:srgbClr val="FFFF00"/>
+                </a:highlight>
                 <a:latin typeface="Gilroy" panose="00000500000000000000" pitchFamily="50" charset="0"/>
                 <a:hlinkClick r:id="rId8"/>
               </a:rPr>
@@ -8151,6 +8335,9 @@
                   <a:srgbClr val="56575C"/>
                 </a:solidFill>
                 <a:effectLst/>
+                <a:highlight>
+                  <a:srgbClr val="FFFF00"/>
+                </a:highlight>
                 <a:latin typeface="Gilroy" panose="00000500000000000000" pitchFamily="50" charset="0"/>
               </a:rPr>
               <a:t> by Queen is the only record to get the UK Christmas Singles Chart Number One twice, once in 1975 and again in 1991. “Do They Know It’s Christmas” was number 1 three times (1984, 1989 and 2004), but technically it was by different groups, so doesn’t count.</a:t>
@@ -8222,6 +8409,9 @@
                   <a:srgbClr val="56575C"/>
                 </a:solidFill>
                 <a:effectLst/>
+                <a:highlight>
+                  <a:srgbClr val="FFFF00"/>
+                </a:highlight>
                 <a:latin typeface="Gilroy" panose="00000500000000000000" pitchFamily="50" charset="0"/>
               </a:rPr>
               <a:t>Irving Berlin hated Elvis Presley’s version of “White Christmas” so much that he tried to prevent radio stations from playing Presley’s cover.</a:t>
